--- a/files/course_material/reinforcement-learning/PPT/Lecture1.pptx
+++ b/files/course_material/reinforcement-learning/PPT/Lecture1.pptx
@@ -258,7 +258,7 @@
           <a:p>
             <a:fld id="{D1D9D5B2-5D7A-4763-8DB5-E223CE43EB7B}" type="datetimeFigureOut">
               <a:rPr lang="zh-TW" altLang="en-US" smtClean="0"/>
-              <a:t>2022/4/29</a:t>
+              <a:t>2022/4/30</a:t>
             </a:fld>
             <a:endParaRPr lang="zh-TW" altLang="en-US"/>
           </a:p>
@@ -423,7 +423,7 @@
           <a:p>
             <a:fld id="{5C6EDD7B-3C59-42F5-83C0-F26EC9B997CE}" type="datetimeFigureOut">
               <a:rPr lang="zh-TW" altLang="en-US" smtClean="0"/>
-              <a:t>2022/4/29</a:t>
+              <a:t>2022/4/30</a:t>
             </a:fld>
             <a:endParaRPr lang="zh-TW" altLang="en-US"/>
           </a:p>
@@ -11287,11 +11287,7 @@
           <a:p>
             <a:r>
               <a:rPr lang="en-US" altLang="zh-TW" smtClean="0"/>
-              <a:t>Policy </a:t>
-            </a:r>
-            <a:r>
-              <a:rPr lang="en-US" altLang="zh-TW" smtClean="0"/>
-              <a:t>Gradient</a:t>
+              <a:t>Policy Gradient</a:t>
             </a:r>
             <a:endParaRPr lang="en-US" altLang="zh-TW" dirty="0" smtClean="0"/>
           </a:p>
@@ -16188,8 +16184,12 @@
           <a:lstStyle/>
           <a:p>
             <a:r>
+              <a:rPr lang="en-US" smtClean="0"/>
+              <a:t>Silver, Introduction</a:t>
+            </a:r>
+            <a:r>
               <a:rPr lang="en-US" dirty="0"/>
-              <a:t>Introduction to Reinforcement Learning with David </a:t>
+              <a:t> to Reinforcement Learning with David </a:t>
             </a:r>
             <a:r>
               <a:rPr lang="en-US" dirty="0" smtClean="0"/>
